--- a/md-file/readme/README.pptx
+++ b/md-file/readme/README.pptx
@@ -10651,7 +10651,7 @@
 <file path=ppt/tags/tag13.xml><?xml version="1.0" encoding="utf-8"?>
 <p:tagLst xmlns:p="http://schemas.openxmlformats.org/presentationml/2006/main">
   <p:tag name="KSO_WPP_MARK_KEY" val="ace2c3dd-4d3b-4b30-ae06-059871de312d"/>
-  <p:tag name="COMMONDATA" val="eyJjb3VudCI6NSwiaGRpZCI6IjYyNjYxODg1ZDdiNTllNjRhOTYzYmU5MjdhZGJiZWYwIiwidXNlckNvdW50Ijo1fQ=="/>
+  <p:tag name="COMMONDATA" val="eyJjb3VudCI6NiwiaGRpZCI6IjYyNjYxODg1ZDdiNTllNjRhOTYzYmU5MjdhZGJiZWYwIiwidXNlckNvdW50Ijo2fQ=="/>
 </p:tagLst>
 </file>
 
